--- a/agile moves/Tomatoes (TOM)/ger/apprentice/ger_TOM_09_Aufdrehen_fertig_los_AM_J.pptx
+++ b/agile moves/Tomatoes (TOM)/ger/apprentice/ger_TOM_09_Aufdrehen_fertig_los_AM_J.pptx
@@ -2124,11 +2124,15 @@
             </a:r>
             <a:r>
               <a:rPr lang="de-DE" sz="1200" dirty="0" smtClean="0"/>
-              <a:t>  </a:t>
+              <a:t> </a:t>
+            </a:r>
+            <a:r>
+              <a:rPr lang="de-DE" sz="1200" dirty="0" smtClean="0"/>
+              <a:t>ist </a:t>
             </a:r>
             <a:r>
               <a:rPr lang="de-DE" sz="1200" dirty="0"/>
-              <a:t>ist ein Zeitmanagementwerkzeug, das von Francesco </a:t>
+              <a:t>ein Zeitmanagementwerkzeug, das von Francesco </a:t>
             </a:r>
             <a:r>
               <a:rPr lang="de-DE" sz="1200" dirty="0" err="1"/>
@@ -2434,7 +2438,7 @@
         <p:spPr/>
         <p:txBody>
           <a:bodyPr>
-            <a:normAutofit/>
+            <a:normAutofit lnSpcReduction="10000"/>
           </a:bodyPr>
           <a:lstStyle/>
           <a:p>
@@ -2448,32 +2452,28 @@
             </a:pPr>
             <a:r>
               <a:rPr lang="de-DE" sz="1200" dirty="0"/>
-              <a:t>Besorge Dir einen Zeitmesser. Bewährt haben sich </a:t>
+              <a:t>Mache </a:t>
             </a:r>
             <a:r>
               <a:rPr lang="de-DE" sz="1200" dirty="0" smtClean="0"/>
-              <a:t>verschiedene </a:t>
+              <a:t>innerhalb </a:t>
             </a:r>
             <a:r>
               <a:rPr lang="de-DE" sz="1200" dirty="0"/>
-              <a:t>Apps bzw. eine </a:t>
+              <a:t>von 2 Wochen </a:t>
             </a:r>
             <a:r>
               <a:rPr lang="de-DE" sz="1200" dirty="0" smtClean="0"/>
-              <a:t>herkömmliche </a:t>
+              <a:t>mindestens </a:t>
             </a:r>
             <a:r>
               <a:rPr lang="de-DE" sz="1200" dirty="0"/>
-              <a:t>Eieruhr</a:t>
+              <a:t>12 </a:t>
             </a:r>
             <a:r>
               <a:rPr lang="de-DE" sz="1200" dirty="0" smtClean="0"/>
-              <a:t>.</a:t>
-            </a:r>
-            <a:br>
-              <a:rPr lang="de-DE" sz="1200" dirty="0" smtClean="0"/>
-            </a:br>
-            <a:endParaRPr lang="de-DE" sz="1200" dirty="0"/>
+              <a:t>Tomaten, bei denen du den Move variierst.</a:t>
+            </a:r>
           </a:p>
           <a:p>
             <a:pPr>
@@ -2486,24 +2486,20 @@
             </a:pPr>
             <a:r>
               <a:rPr lang="de-DE" sz="1200" dirty="0"/>
-              <a:t>Mache zuerst innerhalb von 2 Wochen mindestens 12 </a:t>
+              <a:t>Verteile </a:t>
             </a:r>
             <a:r>
               <a:rPr lang="de-DE" sz="1200" dirty="0" smtClean="0"/>
-              <a:t>Tomaten</a:t>
+              <a:t>diese Tomaten </a:t>
             </a:r>
             <a:r>
               <a:rPr lang="de-DE" sz="1200" dirty="0"/>
-              <a:t>. </a:t>
+              <a:t>auf mindestens 8 verschiedene Tage</a:t>
             </a:r>
             <a:r>
               <a:rPr lang="de-DE" sz="1200" dirty="0" smtClean="0"/>
-              <a:t/>
-            </a:r>
-            <a:br>
-              <a:rPr lang="de-DE" sz="1200" dirty="0" smtClean="0"/>
-            </a:br>
-            <a:endParaRPr lang="de-DE" sz="1200" dirty="0"/>
+              <a:t>.</a:t>
+            </a:r>
           </a:p>
           <a:p>
             <a:pPr>
@@ -2515,16 +2511,76 @@
               </a:spcBef>
             </a:pPr>
             <a:r>
+              <a:rPr lang="de-DE" sz="1200" dirty="0" smtClean="0"/>
+              <a:t>Variationsmöglichkeiten können sein:</a:t>
+            </a:r>
+          </a:p>
+          <a:p>
+            <a:pPr lvl="1">
+              <a:lnSpc>
+                <a:spcPct val="100000"/>
+              </a:lnSpc>
+              <a:spcBef>
+                <a:spcPts val="1000"/>
+              </a:spcBef>
+            </a:pPr>
+            <a:r>
+              <a:rPr lang="de-DE" sz="1200" dirty="0" smtClean="0"/>
+              <a:t>Du dokumentierst vor der Tomate nicht </a:t>
+            </a:r>
+            <a:r>
+              <a:rPr lang="de-DE" sz="1200" dirty="0" smtClean="0"/>
+              <a:t>nur das Ziel, sondern auch die Schritte dorthin: </a:t>
+            </a:r>
+            <a:r>
+              <a:rPr lang="de-DE" sz="1200" dirty="0" smtClean="0"/>
+              <a:t>Welche kleinen Schritte brauchst Du, um das Tomatenziel zu </a:t>
+            </a:r>
+            <a:r>
               <a:rPr lang="de-DE" sz="1200" dirty="0"/>
-              <a:t>Verteile Deine Tomaten auf mindestens 8 verschiedene Tage</a:t>
+              <a:t>erreichen? </a:t>
+            </a:r>
+            <a:r>
+              <a:rPr lang="de-DE" sz="1200" dirty="0" smtClean="0"/>
+              <a:t>Dokumentiere nachher </a:t>
+            </a:r>
+            <a:r>
+              <a:rPr lang="de-DE" sz="1200" dirty="0"/>
+              <a:t>Deine Erfahrungen und Ergebnisse</a:t>
             </a:r>
             <a:r>
               <a:rPr lang="de-DE" sz="1200" dirty="0" smtClean="0"/>
               <a:t>.</a:t>
             </a:r>
-            <a:br>
+            <a:endParaRPr lang="de-DE" sz="1200" dirty="0"/>
+          </a:p>
+          <a:p>
+            <a:pPr lvl="1">
+              <a:lnSpc>
+                <a:spcPct val="100000"/>
+              </a:lnSpc>
+              <a:spcBef>
+                <a:spcPts val="1000"/>
+              </a:spcBef>
+            </a:pPr>
+            <a:r>
               <a:rPr lang="de-DE" sz="1200" dirty="0" smtClean="0"/>
-            </a:br>
+              <a:t>Punktlandung</a:t>
+            </a:r>
+          </a:p>
+          <a:p>
+            <a:pPr lvl="1">
+              <a:lnSpc>
+                <a:spcPct val="100000"/>
+              </a:lnSpc>
+              <a:spcBef>
+                <a:spcPts val="1000"/>
+              </a:spcBef>
+            </a:pPr>
+            <a:r>
+              <a:rPr lang="de-DE" sz="1200" dirty="0" smtClean="0"/>
+              <a:t>Wie viel Prozent von dem, das Du Dir vorgenommen hast, hast Du erreicht? </a:t>
+            </a:r>
             <a:endParaRPr lang="de-DE" sz="1200" dirty="0" smtClean="0"/>
           </a:p>
           <a:p>
@@ -2537,16 +2593,25 @@
               </a:spcBef>
             </a:pPr>
             <a:r>
+              <a:rPr lang="de-DE" sz="1200" dirty="0" smtClean="0"/>
+              <a:t>Du kannst Dir auch selbst </a:t>
+            </a:r>
+            <a:r>
+              <a:rPr lang="de-DE" sz="1200" dirty="0" smtClean="0"/>
+              <a:t>V</a:t>
+            </a:r>
+            <a:r>
+              <a:rPr lang="de-DE" sz="1200" dirty="0" smtClean="0"/>
+              <a:t>ariationen</a:t>
+            </a:r>
+            <a:r>
+              <a:rPr lang="de-DE" sz="1200" dirty="0" smtClean="0"/>
+              <a:t> ausdenken</a:t>
+            </a:r>
+            <a:r>
               <a:rPr lang="de-DE" sz="1200" dirty="0"/>
-              <a:t>Experimentiere mit der Tomatentechnik in verschiedenen Bereichen Deines Lebens (Tagesgeschäft, Job, Lernen, Hausarbeit, Hobby…)</a:t>
-            </a:r>
-            <a:r>
-              <a:rPr lang="de-DE" sz="1200" dirty="0" smtClean="0"/>
               <a:t>.</a:t>
             </a:r>
-            <a:br>
-              <a:rPr lang="de-DE" sz="1200" dirty="0" smtClean="0"/>
-            </a:br>
             <a:endParaRPr lang="de-DE" sz="1200" dirty="0"/>
           </a:p>
           <a:p>
@@ -2580,6 +2645,36 @@
           </a:p>
         </p:txBody>
       </p:sp>
+      <p:pic>
+        <p:nvPicPr>
+          <p:cNvPr id="3" name="Bild 2" descr="am_journeyman_icon.png"/>
+          <p:cNvPicPr>
+            <a:picLocks noChangeAspect="1"/>
+          </p:cNvPicPr>
+          <p:nvPr/>
+        </p:nvPicPr>
+        <p:blipFill>
+          <a:blip r:embed="rId2">
+            <a:extLst>
+              <a:ext uri="{28A0092B-C50C-407E-A947-70E740481C1C}">
+                <a14:useLocalDpi xmlns:a14="http://schemas.microsoft.com/office/drawing/2010/main" val="0"/>
+              </a:ext>
+            </a:extLst>
+          </a:blip>
+          <a:stretch>
+            <a:fillRect/>
+          </a:stretch>
+        </p:blipFill>
+        <p:spPr>
+          <a:xfrm>
+            <a:off x="6417755" y="567957"/>
+            <a:ext cx="905256" cy="896112"/>
+          </a:xfrm>
+          <a:prstGeom prst="rect">
+            <a:avLst/>
+          </a:prstGeom>
+        </p:spPr>
+      </p:pic>
     </p:spTree>
     <p:extLst>
       <p:ext uri="{BB962C8B-B14F-4D97-AF65-F5344CB8AC3E}">
